--- a/figures/resources/string_concat.pptx
+++ b/figures/resources/string_concat.pptx
@@ -6,6 +6,7 @@
   </p:sldMasterIdLst>
   <p:sldIdLst>
     <p:sldId id="256" r:id="rId2"/>
+    <p:sldId id="257" r:id="rId3"/>
   </p:sldIdLst>
   <p:sldSz cx="12192000" cy="6858000"/>
   <p:notesSz cx="6858000" cy="9144000"/>
@@ -104,6 +105,11 @@
       </a:defRPr>
     </a:lvl9pPr>
   </p:defaultTextStyle>
+  <p:extLst>
+    <p:ext uri="{EFAFB233-063F-42B5-8137-9DF3F51BA10A}">
+      <p15:sldGuideLst xmlns:p15="http://schemas.microsoft.com/office/powerpoint/2012/main"/>
+    </p:ext>
+  </p:extLst>
 </p:presentation>
 </file>
 
@@ -256,7 +262,7 @@
           <a:p>
             <a:fld id="{0E914330-9F12-449F-A5EC-702BB880AA0B}" type="datetimeFigureOut">
               <a:rPr lang="en-GB" smtClean="0"/>
-              <a:t>21/12/2021</a:t>
+              <a:t>17/03/2022</a:t>
             </a:fld>
             <a:endParaRPr lang="en-GB"/>
           </a:p>
@@ -456,7 +462,7 @@
           <a:p>
             <a:fld id="{0E914330-9F12-449F-A5EC-702BB880AA0B}" type="datetimeFigureOut">
               <a:rPr lang="en-GB" smtClean="0"/>
-              <a:t>21/12/2021</a:t>
+              <a:t>17/03/2022</a:t>
             </a:fld>
             <a:endParaRPr lang="en-GB"/>
           </a:p>
@@ -666,7 +672,7 @@
           <a:p>
             <a:fld id="{0E914330-9F12-449F-A5EC-702BB880AA0B}" type="datetimeFigureOut">
               <a:rPr lang="en-GB" smtClean="0"/>
-              <a:t>21/12/2021</a:t>
+              <a:t>17/03/2022</a:t>
             </a:fld>
             <a:endParaRPr lang="en-GB"/>
           </a:p>
@@ -866,7 +872,7 @@
           <a:p>
             <a:fld id="{0E914330-9F12-449F-A5EC-702BB880AA0B}" type="datetimeFigureOut">
               <a:rPr lang="en-GB" smtClean="0"/>
-              <a:t>21/12/2021</a:t>
+              <a:t>17/03/2022</a:t>
             </a:fld>
             <a:endParaRPr lang="en-GB"/>
           </a:p>
@@ -1142,7 +1148,7 @@
           <a:p>
             <a:fld id="{0E914330-9F12-449F-A5EC-702BB880AA0B}" type="datetimeFigureOut">
               <a:rPr lang="en-GB" smtClean="0"/>
-              <a:t>21/12/2021</a:t>
+              <a:t>17/03/2022</a:t>
             </a:fld>
             <a:endParaRPr lang="en-GB"/>
           </a:p>
@@ -1410,7 +1416,7 @@
           <a:p>
             <a:fld id="{0E914330-9F12-449F-A5EC-702BB880AA0B}" type="datetimeFigureOut">
               <a:rPr lang="en-GB" smtClean="0"/>
-              <a:t>21/12/2021</a:t>
+              <a:t>17/03/2022</a:t>
             </a:fld>
             <a:endParaRPr lang="en-GB"/>
           </a:p>
@@ -1825,7 +1831,7 @@
           <a:p>
             <a:fld id="{0E914330-9F12-449F-A5EC-702BB880AA0B}" type="datetimeFigureOut">
               <a:rPr lang="en-GB" smtClean="0"/>
-              <a:t>21/12/2021</a:t>
+              <a:t>17/03/2022</a:t>
             </a:fld>
             <a:endParaRPr lang="en-GB"/>
           </a:p>
@@ -1967,7 +1973,7 @@
           <a:p>
             <a:fld id="{0E914330-9F12-449F-A5EC-702BB880AA0B}" type="datetimeFigureOut">
               <a:rPr lang="en-GB" smtClean="0"/>
-              <a:t>21/12/2021</a:t>
+              <a:t>17/03/2022</a:t>
             </a:fld>
             <a:endParaRPr lang="en-GB"/>
           </a:p>
@@ -2080,7 +2086,7 @@
           <a:p>
             <a:fld id="{0E914330-9F12-449F-A5EC-702BB880AA0B}" type="datetimeFigureOut">
               <a:rPr lang="en-GB" smtClean="0"/>
-              <a:t>21/12/2021</a:t>
+              <a:t>17/03/2022</a:t>
             </a:fld>
             <a:endParaRPr lang="en-GB"/>
           </a:p>
@@ -2393,7 +2399,7 @@
           <a:p>
             <a:fld id="{0E914330-9F12-449F-A5EC-702BB880AA0B}" type="datetimeFigureOut">
               <a:rPr lang="en-GB" smtClean="0"/>
-              <a:t>21/12/2021</a:t>
+              <a:t>17/03/2022</a:t>
             </a:fld>
             <a:endParaRPr lang="en-GB"/>
           </a:p>
@@ -2682,7 +2688,7 @@
           <a:p>
             <a:fld id="{0E914330-9F12-449F-A5EC-702BB880AA0B}" type="datetimeFigureOut">
               <a:rPr lang="en-GB" smtClean="0"/>
-              <a:t>21/12/2021</a:t>
+              <a:t>17/03/2022</a:t>
             </a:fld>
             <a:endParaRPr lang="en-GB"/>
           </a:p>
@@ -2925,7 +2931,7 @@
           <a:p>
             <a:fld id="{0E914330-9F12-449F-A5EC-702BB880AA0B}" type="datetimeFigureOut">
               <a:rPr lang="en-GB" smtClean="0"/>
-              <a:t>21/12/2021</a:t>
+              <a:t>17/03/2022</a:t>
             </a:fld>
             <a:endParaRPr lang="en-GB"/>
           </a:p>
@@ -3987,6 +3993,424 @@
 </p:sld>
 </file>
 
+<file path=ppt/slides/slide2.xml><?xml version="1.0" encoding="utf-8"?>
+<p:sld xmlns:a="http://schemas.openxmlformats.org/drawingml/2006/main" xmlns:r="http://schemas.openxmlformats.org/officeDocument/2006/relationships" xmlns:p="http://schemas.openxmlformats.org/presentationml/2006/main">
+  <p:cSld>
+    <p:spTree>
+      <p:nvGrpSpPr>
+        <p:cNvPr id="1" name=""/>
+        <p:cNvGrpSpPr/>
+        <p:nvPr/>
+      </p:nvGrpSpPr>
+      <p:grpSpPr>
+        <a:xfrm>
+          <a:off x="0" y="0"/>
+          <a:ext cx="0" cy="0"/>
+          <a:chOff x="0" y="0"/>
+          <a:chExt cx="0" cy="0"/>
+        </a:xfrm>
+      </p:grpSpPr>
+      <p:sp>
+        <p:nvSpPr>
+          <p:cNvPr id="4" name="TextBox 3">
+            <a:extLst>
+              <a:ext uri="{FF2B5EF4-FFF2-40B4-BE49-F238E27FC236}">
+                <a16:creationId xmlns:a16="http://schemas.microsoft.com/office/drawing/2014/main" id="{35C51D7F-2F83-2D41-A86E-2880F3359DB7}"/>
+              </a:ext>
+            </a:extLst>
+          </p:cNvPr>
+          <p:cNvSpPr txBox="1"/>
+          <p:nvPr/>
+        </p:nvSpPr>
+        <p:spPr>
+          <a:xfrm>
+            <a:off x="1181100" y="1003297"/>
+            <a:ext cx="3887603" cy="584775"/>
+          </a:xfrm>
+          <a:prstGeom prst="rect">
+            <a:avLst/>
+          </a:prstGeom>
+          <a:noFill/>
+        </p:spPr>
+        <p:txBody>
+          <a:bodyPr wrap="none" rtlCol="0">
+            <a:spAutoFit/>
+          </a:bodyPr>
+          <a:lstStyle/>
+          <a:p>
+            <a:r>
+              <a:rPr lang="de-DE" sz="3200" dirty="0">
+                <a:latin typeface="Courier" pitchFamily="2" charset="0"/>
+                <a:cs typeface="Courier New" panose="02070309020205020404" pitchFamily="49" charset="0"/>
+              </a:rPr>
+              <a:t>“/Users/Andrea“</a:t>
+            </a:r>
+          </a:p>
+        </p:txBody>
+      </p:sp>
+      <p:sp>
+        <p:nvSpPr>
+          <p:cNvPr id="5" name="TextBox 4">
+            <a:extLst>
+              <a:ext uri="{FF2B5EF4-FFF2-40B4-BE49-F238E27FC236}">
+                <a16:creationId xmlns:a16="http://schemas.microsoft.com/office/drawing/2014/main" id="{C915BA40-F8CC-D647-96A2-EA4F5446F70D}"/>
+              </a:ext>
+            </a:extLst>
+          </p:cNvPr>
+          <p:cNvSpPr txBox="1"/>
+          <p:nvPr/>
+        </p:nvSpPr>
+        <p:spPr>
+          <a:xfrm>
+            <a:off x="7451601" y="1003297"/>
+            <a:ext cx="2900153" cy="584775"/>
+          </a:xfrm>
+          <a:prstGeom prst="rect">
+            <a:avLst/>
+          </a:prstGeom>
+          <a:noFill/>
+        </p:spPr>
+        <p:txBody>
+          <a:bodyPr wrap="none" rtlCol="0">
+            <a:spAutoFit/>
+          </a:bodyPr>
+          <a:lstStyle/>
+          <a:p>
+            <a:r>
+              <a:rPr lang="de-DE" sz="3200" dirty="0">
+                <a:latin typeface="Courier" pitchFamily="2" charset="0"/>
+                <a:cs typeface="Courier New" panose="02070309020205020404" pitchFamily="49" charset="0"/>
+              </a:rPr>
+              <a:t>“</a:t>
+            </a:r>
+            <a:r>
+              <a:rPr lang="de-DE" sz="3200" dirty="0" err="1">
+                <a:latin typeface="Courier" pitchFamily="2" charset="0"/>
+                <a:cs typeface="Courier New" panose="02070309020205020404" pitchFamily="49" charset="0"/>
+              </a:rPr>
+              <a:t>cells.tif</a:t>
+            </a:r>
+            <a:r>
+              <a:rPr lang="de-DE" sz="3200" dirty="0">
+                <a:latin typeface="Courier" pitchFamily="2" charset="0"/>
+                <a:cs typeface="Courier New" panose="02070309020205020404" pitchFamily="49" charset="0"/>
+              </a:rPr>
+              <a:t>“</a:t>
+            </a:r>
+          </a:p>
+        </p:txBody>
+      </p:sp>
+      <p:sp>
+        <p:nvSpPr>
+          <p:cNvPr id="6" name="TextBox 5">
+            <a:extLst>
+              <a:ext uri="{FF2B5EF4-FFF2-40B4-BE49-F238E27FC236}">
+                <a16:creationId xmlns:a16="http://schemas.microsoft.com/office/drawing/2014/main" id="{B42142B0-019F-E445-8B9D-862E7BA27D04}"/>
+              </a:ext>
+            </a:extLst>
+          </p:cNvPr>
+          <p:cNvSpPr txBox="1"/>
+          <p:nvPr/>
+        </p:nvSpPr>
+        <p:spPr>
+          <a:xfrm>
+            <a:off x="5606361" y="1021771"/>
+            <a:ext cx="925253" cy="584775"/>
+          </a:xfrm>
+          <a:prstGeom prst="rect">
+            <a:avLst/>
+          </a:prstGeom>
+          <a:noFill/>
+        </p:spPr>
+        <p:txBody>
+          <a:bodyPr wrap="none" rtlCol="0">
+            <a:spAutoFit/>
+          </a:bodyPr>
+          <a:lstStyle/>
+          <a:p>
+            <a:r>
+              <a:rPr lang="de-DE" sz="3200" dirty="0">
+                <a:latin typeface="Courier" pitchFamily="2" charset="0"/>
+                <a:cs typeface="Courier New" panose="02070309020205020404" pitchFamily="49" charset="0"/>
+              </a:rPr>
+              <a:t>“/“</a:t>
+            </a:r>
+          </a:p>
+        </p:txBody>
+      </p:sp>
+      <p:sp>
+        <p:nvSpPr>
+          <p:cNvPr id="7" name="TextBox 6">
+            <a:extLst>
+              <a:ext uri="{FF2B5EF4-FFF2-40B4-BE49-F238E27FC236}">
+                <a16:creationId xmlns:a16="http://schemas.microsoft.com/office/drawing/2014/main" id="{C784DB58-62E8-ED4D-A14E-5A0B0BF77CC3}"/>
+              </a:ext>
+            </a:extLst>
+          </p:cNvPr>
+          <p:cNvSpPr txBox="1"/>
+          <p:nvPr/>
+        </p:nvSpPr>
+        <p:spPr>
+          <a:xfrm>
+            <a:off x="3124901" y="2120900"/>
+            <a:ext cx="6356227" cy="584775"/>
+          </a:xfrm>
+          <a:prstGeom prst="rect">
+            <a:avLst/>
+          </a:prstGeom>
+          <a:noFill/>
+        </p:spPr>
+        <p:txBody>
+          <a:bodyPr wrap="none" rtlCol="0">
+            <a:spAutoFit/>
+          </a:bodyPr>
+          <a:lstStyle/>
+          <a:p>
+            <a:r>
+              <a:rPr lang="de-DE" sz="3200" dirty="0">
+                <a:latin typeface="Courier" pitchFamily="2" charset="0"/>
+                <a:cs typeface="Courier New" panose="02070309020205020404" pitchFamily="49" charset="0"/>
+              </a:rPr>
+              <a:t>“/Users/Andrea/</a:t>
+            </a:r>
+            <a:r>
+              <a:rPr lang="de-DE" sz="3200" dirty="0" err="1">
+                <a:latin typeface="Courier" pitchFamily="2" charset="0"/>
+                <a:cs typeface="Courier New" panose="02070309020205020404" pitchFamily="49" charset="0"/>
+              </a:rPr>
+              <a:t>cells.tif</a:t>
+            </a:r>
+            <a:r>
+              <a:rPr lang="de-DE" sz="3200" dirty="0">
+                <a:latin typeface="Courier" pitchFamily="2" charset="0"/>
+                <a:cs typeface="Courier New" panose="02070309020205020404" pitchFamily="49" charset="0"/>
+              </a:rPr>
+              <a:t>“</a:t>
+            </a:r>
+          </a:p>
+        </p:txBody>
+      </p:sp>
+      <p:sp>
+        <p:nvSpPr>
+          <p:cNvPr id="8" name="TextBox 7">
+            <a:extLst>
+              <a:ext uri="{FF2B5EF4-FFF2-40B4-BE49-F238E27FC236}">
+                <a16:creationId xmlns:a16="http://schemas.microsoft.com/office/drawing/2014/main" id="{070B8C3C-9066-9D44-AC75-6CE65157E445}"/>
+              </a:ext>
+            </a:extLst>
+          </p:cNvPr>
+          <p:cNvSpPr txBox="1"/>
+          <p:nvPr/>
+        </p:nvSpPr>
+        <p:spPr>
+          <a:xfrm>
+            <a:off x="1885297" y="3980870"/>
+            <a:ext cx="4628190" cy="584775"/>
+          </a:xfrm>
+          <a:prstGeom prst="rect">
+            <a:avLst/>
+          </a:prstGeom>
+          <a:noFill/>
+        </p:spPr>
+        <p:txBody>
+          <a:bodyPr wrap="none" rtlCol="0">
+            <a:spAutoFit/>
+          </a:bodyPr>
+          <a:lstStyle/>
+          <a:p>
+            <a:r>
+              <a:rPr lang="de-DE" sz="3200" dirty="0">
+                <a:latin typeface="Courier" pitchFamily="2" charset="0"/>
+                <a:cs typeface="Courier New" panose="02070309020205020404" pitchFamily="49" charset="0"/>
+              </a:rPr>
+              <a:t>“</a:t>
+            </a:r>
+            <a:r>
+              <a:rPr lang="de-DE" sz="3200" dirty="0" err="1">
+                <a:latin typeface="Courier" pitchFamily="2" charset="0"/>
+                <a:cs typeface="Courier New" panose="02070309020205020404" pitchFamily="49" charset="0"/>
+              </a:rPr>
+              <a:t>Analyzing</a:t>
+            </a:r>
+            <a:r>
+              <a:rPr lang="de-DE" sz="3200" dirty="0">
+                <a:latin typeface="Courier" pitchFamily="2" charset="0"/>
+                <a:cs typeface="Courier New" panose="02070309020205020404" pitchFamily="49" charset="0"/>
+              </a:rPr>
+              <a:t> </a:t>
+            </a:r>
+            <a:r>
+              <a:rPr lang="de-DE" sz="3200" dirty="0" err="1">
+                <a:latin typeface="Courier" pitchFamily="2" charset="0"/>
+                <a:cs typeface="Courier New" panose="02070309020205020404" pitchFamily="49" charset="0"/>
+              </a:rPr>
+              <a:t>image</a:t>
+            </a:r>
+            <a:r>
+              <a:rPr lang="de-DE" sz="3200" dirty="0">
+                <a:latin typeface="Courier" pitchFamily="2" charset="0"/>
+                <a:cs typeface="Courier New" panose="02070309020205020404" pitchFamily="49" charset="0"/>
+              </a:rPr>
+              <a:t> “</a:t>
+            </a:r>
+          </a:p>
+        </p:txBody>
+      </p:sp>
+      <p:sp>
+        <p:nvSpPr>
+          <p:cNvPr id="9" name="TextBox 8">
+            <a:extLst>
+              <a:ext uri="{FF2B5EF4-FFF2-40B4-BE49-F238E27FC236}">
+                <a16:creationId xmlns:a16="http://schemas.microsoft.com/office/drawing/2014/main" id="{75E21728-C914-F040-BFD4-DD6A5D20BEF5}"/>
+              </a:ext>
+            </a:extLst>
+          </p:cNvPr>
+          <p:cNvSpPr txBox="1"/>
+          <p:nvPr/>
+        </p:nvSpPr>
+        <p:spPr>
+          <a:xfrm>
+            <a:off x="8506650" y="3980869"/>
+            <a:ext cx="1418978" cy="584775"/>
+          </a:xfrm>
+          <a:prstGeom prst="rect">
+            <a:avLst/>
+          </a:prstGeom>
+          <a:noFill/>
+        </p:spPr>
+        <p:txBody>
+          <a:bodyPr wrap="none" rtlCol="0">
+            <a:spAutoFit/>
+          </a:bodyPr>
+          <a:lstStyle/>
+          <a:p>
+            <a:r>
+              <a:rPr lang="de-DE" sz="3200" dirty="0">
+                <a:latin typeface="Courier" pitchFamily="2" charset="0"/>
+                <a:cs typeface="Courier New" panose="02070309020205020404" pitchFamily="49" charset="0"/>
+              </a:rPr>
+              <a:t>“...“</a:t>
+            </a:r>
+          </a:p>
+        </p:txBody>
+      </p:sp>
+      <p:sp>
+        <p:nvSpPr>
+          <p:cNvPr id="10" name="TextBox 9">
+            <a:extLst>
+              <a:ext uri="{FF2B5EF4-FFF2-40B4-BE49-F238E27FC236}">
+                <a16:creationId xmlns:a16="http://schemas.microsoft.com/office/drawing/2014/main" id="{DF685997-0351-5F46-A836-B95B93C5F2D4}"/>
+              </a:ext>
+            </a:extLst>
+          </p:cNvPr>
+          <p:cNvSpPr txBox="1"/>
+          <p:nvPr/>
+        </p:nvSpPr>
+        <p:spPr>
+          <a:xfrm>
+            <a:off x="7143559" y="3999340"/>
+            <a:ext cx="431528" cy="584775"/>
+          </a:xfrm>
+          <a:prstGeom prst="rect">
+            <a:avLst/>
+          </a:prstGeom>
+          <a:noFill/>
+        </p:spPr>
+        <p:txBody>
+          <a:bodyPr wrap="none" rtlCol="0">
+            <a:spAutoFit/>
+          </a:bodyPr>
+          <a:lstStyle/>
+          <a:p>
+            <a:r>
+              <a:rPr lang="de-DE" sz="3200" dirty="0">
+                <a:latin typeface="Courier" pitchFamily="2" charset="0"/>
+                <a:cs typeface="Courier New" panose="02070309020205020404" pitchFamily="49" charset="0"/>
+              </a:rPr>
+              <a:t>5</a:t>
+            </a:r>
+          </a:p>
+        </p:txBody>
+      </p:sp>
+      <p:sp>
+        <p:nvSpPr>
+          <p:cNvPr id="11" name="TextBox 10">
+            <a:extLst>
+              <a:ext uri="{FF2B5EF4-FFF2-40B4-BE49-F238E27FC236}">
+                <a16:creationId xmlns:a16="http://schemas.microsoft.com/office/drawing/2014/main" id="{97B2DCA4-9C63-FF49-9540-2D505CB5B4E2}"/>
+              </a:ext>
+            </a:extLst>
+          </p:cNvPr>
+          <p:cNvSpPr txBox="1"/>
+          <p:nvPr/>
+        </p:nvSpPr>
+        <p:spPr>
+          <a:xfrm>
+            <a:off x="3658301" y="5080000"/>
+            <a:ext cx="5615640" cy="584775"/>
+          </a:xfrm>
+          <a:prstGeom prst="rect">
+            <a:avLst/>
+          </a:prstGeom>
+          <a:noFill/>
+        </p:spPr>
+        <p:txBody>
+          <a:bodyPr wrap="none" rtlCol="0">
+            <a:spAutoFit/>
+          </a:bodyPr>
+          <a:lstStyle/>
+          <a:p>
+            <a:r>
+              <a:rPr lang="de-DE" sz="3200" dirty="0">
+                <a:latin typeface="Courier" pitchFamily="2" charset="0"/>
+                <a:cs typeface="Courier New" panose="02070309020205020404" pitchFamily="49" charset="0"/>
+              </a:rPr>
+              <a:t>“</a:t>
+            </a:r>
+            <a:r>
+              <a:rPr lang="de-DE" sz="3200" dirty="0" err="1">
+                <a:latin typeface="Courier" pitchFamily="2" charset="0"/>
+                <a:cs typeface="Courier New" panose="02070309020205020404" pitchFamily="49" charset="0"/>
+              </a:rPr>
+              <a:t>Analyzing</a:t>
+            </a:r>
+            <a:r>
+              <a:rPr lang="de-DE" sz="3200" dirty="0">
+                <a:latin typeface="Courier" pitchFamily="2" charset="0"/>
+                <a:cs typeface="Courier New" panose="02070309020205020404" pitchFamily="49" charset="0"/>
+              </a:rPr>
+              <a:t> </a:t>
+            </a:r>
+            <a:r>
+              <a:rPr lang="de-DE" sz="3200" dirty="0" err="1">
+                <a:latin typeface="Courier" pitchFamily="2" charset="0"/>
+                <a:cs typeface="Courier New" panose="02070309020205020404" pitchFamily="49" charset="0"/>
+              </a:rPr>
+              <a:t>image</a:t>
+            </a:r>
+            <a:r>
+              <a:rPr lang="de-DE" sz="3200" dirty="0">
+                <a:latin typeface="Courier" pitchFamily="2" charset="0"/>
+                <a:cs typeface="Courier New" panose="02070309020205020404" pitchFamily="49" charset="0"/>
+              </a:rPr>
+              <a:t> 5...“</a:t>
+            </a:r>
+          </a:p>
+        </p:txBody>
+      </p:sp>
+    </p:spTree>
+    <p:extLst>
+      <p:ext uri="{BB962C8B-B14F-4D97-AF65-F5344CB8AC3E}">
+        <p14:creationId xmlns:p14="http://schemas.microsoft.com/office/powerpoint/2010/main" val="3391737379"/>
+      </p:ext>
+    </p:extLst>
+  </p:cSld>
+  <p:clrMapOvr>
+    <a:masterClrMapping/>
+  </p:clrMapOvr>
+</p:sld>
+</file>
+
 <file path=ppt/theme/theme1.xml><?xml version="1.0" encoding="utf-8"?>
 <a:theme xmlns:a="http://schemas.openxmlformats.org/drawingml/2006/main" name="Office Theme">
   <a:themeElements>

--- a/figures/resources/string_concat.pptx
+++ b/figures/resources/string_concat.pptx
@@ -262,7 +262,7 @@
           <a:p>
             <a:fld id="{0E914330-9F12-449F-A5EC-702BB880AA0B}" type="datetimeFigureOut">
               <a:rPr lang="en-GB" smtClean="0"/>
-              <a:t>17/03/2022</a:t>
+              <a:t>18/03/2022</a:t>
             </a:fld>
             <a:endParaRPr lang="en-GB"/>
           </a:p>
@@ -462,7 +462,7 @@
           <a:p>
             <a:fld id="{0E914330-9F12-449F-A5EC-702BB880AA0B}" type="datetimeFigureOut">
               <a:rPr lang="en-GB" smtClean="0"/>
-              <a:t>17/03/2022</a:t>
+              <a:t>18/03/2022</a:t>
             </a:fld>
             <a:endParaRPr lang="en-GB"/>
           </a:p>
@@ -672,7 +672,7 @@
           <a:p>
             <a:fld id="{0E914330-9F12-449F-A5EC-702BB880AA0B}" type="datetimeFigureOut">
               <a:rPr lang="en-GB" smtClean="0"/>
-              <a:t>17/03/2022</a:t>
+              <a:t>18/03/2022</a:t>
             </a:fld>
             <a:endParaRPr lang="en-GB"/>
           </a:p>
@@ -872,7 +872,7 @@
           <a:p>
             <a:fld id="{0E914330-9F12-449F-A5EC-702BB880AA0B}" type="datetimeFigureOut">
               <a:rPr lang="en-GB" smtClean="0"/>
-              <a:t>17/03/2022</a:t>
+              <a:t>18/03/2022</a:t>
             </a:fld>
             <a:endParaRPr lang="en-GB"/>
           </a:p>
@@ -1148,7 +1148,7 @@
           <a:p>
             <a:fld id="{0E914330-9F12-449F-A5EC-702BB880AA0B}" type="datetimeFigureOut">
               <a:rPr lang="en-GB" smtClean="0"/>
-              <a:t>17/03/2022</a:t>
+              <a:t>18/03/2022</a:t>
             </a:fld>
             <a:endParaRPr lang="en-GB"/>
           </a:p>
@@ -1416,7 +1416,7 @@
           <a:p>
             <a:fld id="{0E914330-9F12-449F-A5EC-702BB880AA0B}" type="datetimeFigureOut">
               <a:rPr lang="en-GB" smtClean="0"/>
-              <a:t>17/03/2022</a:t>
+              <a:t>18/03/2022</a:t>
             </a:fld>
             <a:endParaRPr lang="en-GB"/>
           </a:p>
@@ -1831,7 +1831,7 @@
           <a:p>
             <a:fld id="{0E914330-9F12-449F-A5EC-702BB880AA0B}" type="datetimeFigureOut">
               <a:rPr lang="en-GB" smtClean="0"/>
-              <a:t>17/03/2022</a:t>
+              <a:t>18/03/2022</a:t>
             </a:fld>
             <a:endParaRPr lang="en-GB"/>
           </a:p>
@@ -1973,7 +1973,7 @@
           <a:p>
             <a:fld id="{0E914330-9F12-449F-A5EC-702BB880AA0B}" type="datetimeFigureOut">
               <a:rPr lang="en-GB" smtClean="0"/>
-              <a:t>17/03/2022</a:t>
+              <a:t>18/03/2022</a:t>
             </a:fld>
             <a:endParaRPr lang="en-GB"/>
           </a:p>
@@ -2086,7 +2086,7 @@
           <a:p>
             <a:fld id="{0E914330-9F12-449F-A5EC-702BB880AA0B}" type="datetimeFigureOut">
               <a:rPr lang="en-GB" smtClean="0"/>
-              <a:t>17/03/2022</a:t>
+              <a:t>18/03/2022</a:t>
             </a:fld>
             <a:endParaRPr lang="en-GB"/>
           </a:p>
@@ -2399,7 +2399,7 @@
           <a:p>
             <a:fld id="{0E914330-9F12-449F-A5EC-702BB880AA0B}" type="datetimeFigureOut">
               <a:rPr lang="en-GB" smtClean="0"/>
-              <a:t>17/03/2022</a:t>
+              <a:t>18/03/2022</a:t>
             </a:fld>
             <a:endParaRPr lang="en-GB"/>
           </a:p>
@@ -2688,7 +2688,7 @@
           <a:p>
             <a:fld id="{0E914330-9F12-449F-A5EC-702BB880AA0B}" type="datetimeFigureOut">
               <a:rPr lang="en-GB" smtClean="0"/>
-              <a:t>17/03/2022</a:t>
+              <a:t>18/03/2022</a:t>
             </a:fld>
             <a:endParaRPr lang="en-GB"/>
           </a:p>
@@ -2931,7 +2931,7 @@
           <a:p>
             <a:fld id="{0E914330-9F12-449F-A5EC-702BB880AA0B}" type="datetimeFigureOut">
               <a:rPr lang="en-GB" smtClean="0"/>
-              <a:t>17/03/2022</a:t>
+              <a:t>18/03/2022</a:t>
             </a:fld>
             <a:endParaRPr lang="en-GB"/>
           </a:p>
@@ -4024,8 +4024,8 @@
         </p:nvSpPr>
         <p:spPr>
           <a:xfrm>
-            <a:off x="1181100" y="1003297"/>
-            <a:ext cx="3887603" cy="584775"/>
+            <a:off x="1257301" y="668659"/>
+            <a:ext cx="9055100" cy="4154984"/>
           </a:xfrm>
           <a:prstGeom prst="rect">
             <a:avLst/>
@@ -4033,367 +4033,548 @@
           <a:noFill/>
         </p:spPr>
         <p:txBody>
-          <a:bodyPr wrap="none" rtlCol="0">
+          <a:bodyPr wrap="square" rtlCol="0">
             <a:spAutoFit/>
           </a:bodyPr>
           <a:lstStyle/>
           <a:p>
             <a:r>
-              <a:rPr lang="de-DE" sz="3200" dirty="0">
-                <a:latin typeface="Courier" pitchFamily="2" charset="0"/>
-                <a:cs typeface="Courier New" panose="02070309020205020404" pitchFamily="49" charset="0"/>
-              </a:rPr>
-              <a:t>“/Users/Andrea“</a:t>
-            </a:r>
-          </a:p>
-        </p:txBody>
-      </p:sp>
-      <p:sp>
-        <p:nvSpPr>
-          <p:cNvPr id="5" name="TextBox 4">
-            <a:extLst>
-              <a:ext uri="{FF2B5EF4-FFF2-40B4-BE49-F238E27FC236}">
-                <a16:creationId xmlns:a16="http://schemas.microsoft.com/office/drawing/2014/main" id="{C915BA40-F8CC-D647-96A2-EA4F5446F70D}"/>
-              </a:ext>
-            </a:extLst>
-          </p:cNvPr>
-          <p:cNvSpPr txBox="1"/>
-          <p:nvPr/>
-        </p:nvSpPr>
-        <p:spPr>
-          <a:xfrm>
-            <a:off x="7451601" y="1003297"/>
-            <a:ext cx="2900153" cy="584775"/>
-          </a:xfrm>
-          <a:prstGeom prst="rect">
-            <a:avLst/>
-          </a:prstGeom>
-          <a:noFill/>
-        </p:spPr>
-        <p:txBody>
-          <a:bodyPr wrap="none" rtlCol="0">
-            <a:spAutoFit/>
-          </a:bodyPr>
-          <a:lstStyle/>
-          <a:p>
-            <a:r>
-              <a:rPr lang="de-DE" sz="3200" dirty="0">
-                <a:latin typeface="Courier" pitchFamily="2" charset="0"/>
-                <a:cs typeface="Courier New" panose="02070309020205020404" pitchFamily="49" charset="0"/>
-              </a:rPr>
-              <a:t>“</a:t>
-            </a:r>
-            <a:r>
-              <a:rPr lang="de-DE" sz="3200" dirty="0" err="1">
-                <a:latin typeface="Courier" pitchFamily="2" charset="0"/>
-                <a:cs typeface="Courier New" panose="02070309020205020404" pitchFamily="49" charset="0"/>
-              </a:rPr>
-              <a:t>cells.tif</a:t>
-            </a:r>
-            <a:r>
-              <a:rPr lang="de-DE" sz="3200" dirty="0">
-                <a:latin typeface="Courier" pitchFamily="2" charset="0"/>
-                <a:cs typeface="Courier New" panose="02070309020205020404" pitchFamily="49" charset="0"/>
-              </a:rPr>
-              <a:t>“</a:t>
-            </a:r>
-          </a:p>
-        </p:txBody>
-      </p:sp>
-      <p:sp>
-        <p:nvSpPr>
-          <p:cNvPr id="6" name="TextBox 5">
-            <a:extLst>
-              <a:ext uri="{FF2B5EF4-FFF2-40B4-BE49-F238E27FC236}">
-                <a16:creationId xmlns:a16="http://schemas.microsoft.com/office/drawing/2014/main" id="{B42142B0-019F-E445-8B9D-862E7BA27D04}"/>
-              </a:ext>
-            </a:extLst>
-          </p:cNvPr>
-          <p:cNvSpPr txBox="1"/>
-          <p:nvPr/>
-        </p:nvSpPr>
-        <p:spPr>
-          <a:xfrm>
-            <a:off x="5606361" y="1021771"/>
-            <a:ext cx="925253" cy="584775"/>
-          </a:xfrm>
-          <a:prstGeom prst="rect">
-            <a:avLst/>
-          </a:prstGeom>
-          <a:noFill/>
-        </p:spPr>
-        <p:txBody>
-          <a:bodyPr wrap="none" rtlCol="0">
-            <a:spAutoFit/>
-          </a:bodyPr>
-          <a:lstStyle/>
-          <a:p>
-            <a:r>
-              <a:rPr lang="de-DE" sz="3200" dirty="0">
-                <a:latin typeface="Courier" pitchFamily="2" charset="0"/>
-                <a:cs typeface="Courier New" panose="02070309020205020404" pitchFamily="49" charset="0"/>
-              </a:rPr>
-              <a:t>“/“</a:t>
-            </a:r>
-          </a:p>
-        </p:txBody>
-      </p:sp>
-      <p:sp>
-        <p:nvSpPr>
-          <p:cNvPr id="7" name="TextBox 6">
-            <a:extLst>
-              <a:ext uri="{FF2B5EF4-FFF2-40B4-BE49-F238E27FC236}">
-                <a16:creationId xmlns:a16="http://schemas.microsoft.com/office/drawing/2014/main" id="{C784DB58-62E8-ED4D-A14E-5A0B0BF77CC3}"/>
-              </a:ext>
-            </a:extLst>
-          </p:cNvPr>
-          <p:cNvSpPr txBox="1"/>
-          <p:nvPr/>
-        </p:nvSpPr>
-        <p:spPr>
-          <a:xfrm>
-            <a:off x="3124901" y="2120900"/>
-            <a:ext cx="6356227" cy="584775"/>
-          </a:xfrm>
-          <a:prstGeom prst="rect">
-            <a:avLst/>
-          </a:prstGeom>
-          <a:noFill/>
-        </p:spPr>
-        <p:txBody>
-          <a:bodyPr wrap="none" rtlCol="0">
-            <a:spAutoFit/>
-          </a:bodyPr>
-          <a:lstStyle/>
-          <a:p>
-            <a:r>
-              <a:rPr lang="de-DE" sz="3200" dirty="0">
-                <a:latin typeface="Courier" pitchFamily="2" charset="0"/>
-                <a:cs typeface="Courier New" panose="02070309020205020404" pitchFamily="49" charset="0"/>
-              </a:rPr>
-              <a:t>“/Users/Andrea/</a:t>
-            </a:r>
-            <a:r>
-              <a:rPr lang="de-DE" sz="3200" dirty="0" err="1">
-                <a:latin typeface="Courier" pitchFamily="2" charset="0"/>
-                <a:cs typeface="Courier New" panose="02070309020205020404" pitchFamily="49" charset="0"/>
-              </a:rPr>
-              <a:t>cells.tif</a:t>
-            </a:r>
-            <a:r>
-              <a:rPr lang="de-DE" sz="3200" dirty="0">
-                <a:latin typeface="Courier" pitchFamily="2" charset="0"/>
-                <a:cs typeface="Courier New" panose="02070309020205020404" pitchFamily="49" charset="0"/>
-              </a:rPr>
-              <a:t>“</a:t>
-            </a:r>
-          </a:p>
-        </p:txBody>
-      </p:sp>
-      <p:sp>
-        <p:nvSpPr>
-          <p:cNvPr id="8" name="TextBox 7">
-            <a:extLst>
-              <a:ext uri="{FF2B5EF4-FFF2-40B4-BE49-F238E27FC236}">
-                <a16:creationId xmlns:a16="http://schemas.microsoft.com/office/drawing/2014/main" id="{070B8C3C-9066-9D44-AC75-6CE65157E445}"/>
-              </a:ext>
-            </a:extLst>
-          </p:cNvPr>
-          <p:cNvSpPr txBox="1"/>
-          <p:nvPr/>
-        </p:nvSpPr>
-        <p:spPr>
-          <a:xfrm>
-            <a:off x="1885297" y="3980870"/>
-            <a:ext cx="4628190" cy="584775"/>
-          </a:xfrm>
-          <a:prstGeom prst="rect">
-            <a:avLst/>
-          </a:prstGeom>
-          <a:noFill/>
-        </p:spPr>
-        <p:txBody>
-          <a:bodyPr wrap="none" rtlCol="0">
-            <a:spAutoFit/>
-          </a:bodyPr>
-          <a:lstStyle/>
-          <a:p>
-            <a:r>
-              <a:rPr lang="de-DE" sz="3200" dirty="0">
-                <a:latin typeface="Courier" pitchFamily="2" charset="0"/>
-                <a:cs typeface="Courier New" panose="02070309020205020404" pitchFamily="49" charset="0"/>
-              </a:rPr>
-              <a:t>“</a:t>
-            </a:r>
-            <a:r>
-              <a:rPr lang="de-DE" sz="3200" dirty="0" err="1">
-                <a:latin typeface="Courier" pitchFamily="2" charset="0"/>
-                <a:cs typeface="Courier New" panose="02070309020205020404" pitchFamily="49" charset="0"/>
-              </a:rPr>
-              <a:t>Analyzing</a:t>
-            </a:r>
-            <a:r>
-              <a:rPr lang="de-DE" sz="3200" dirty="0">
+              <a:rPr lang="de-DE" sz="2400" dirty="0">
+                <a:solidFill>
+                  <a:schemeClr val="accent1"/>
+                </a:solidFill>
+                <a:latin typeface="Courier" pitchFamily="2" charset="0"/>
+                <a:cs typeface="Courier New" panose="02070309020205020404" pitchFamily="49" charset="0"/>
+              </a:rPr>
+              <a:t>&gt; </a:t>
+            </a:r>
+            <a:r>
+              <a:rPr lang="de-DE" sz="2400" dirty="0" err="1">
+                <a:solidFill>
+                  <a:schemeClr val="accent1"/>
+                </a:solidFill>
+                <a:latin typeface="Courier" pitchFamily="2" charset="0"/>
+                <a:cs typeface="Courier New" panose="02070309020205020404" pitchFamily="49" charset="0"/>
+              </a:rPr>
+              <a:t>print</a:t>
+            </a:r>
+            <a:r>
+              <a:rPr lang="de-DE" sz="2400" dirty="0">
+                <a:solidFill>
+                  <a:schemeClr val="accent1"/>
+                </a:solidFill>
+                <a:latin typeface="Courier" pitchFamily="2" charset="0"/>
+                <a:cs typeface="Courier New" panose="02070309020205020404" pitchFamily="49" charset="0"/>
+              </a:rPr>
+              <a:t>(“\t5\t10“)</a:t>
+            </a:r>
+          </a:p>
+          <a:p>
+            <a:r>
+              <a:rPr lang="de-DE" sz="2400" dirty="0">
+                <a:latin typeface="Courier" pitchFamily="2" charset="0"/>
+                <a:cs typeface="Courier New" panose="02070309020205020404" pitchFamily="49" charset="0"/>
+              </a:rPr>
+              <a:t>    5   10</a:t>
+            </a:r>
+          </a:p>
+          <a:p>
+            <a:r>
+              <a:rPr lang="de-DE" sz="2400" dirty="0">
+                <a:solidFill>
+                  <a:schemeClr val="accent1"/>
+                </a:solidFill>
+                <a:latin typeface="Courier" pitchFamily="2" charset="0"/>
+                <a:cs typeface="Courier New" panose="02070309020205020404" pitchFamily="49" charset="0"/>
+              </a:rPr>
+              <a:t>&gt; </a:t>
+            </a:r>
+            <a:r>
+              <a:rPr lang="de-DE" sz="2400" dirty="0" err="1">
+                <a:solidFill>
+                  <a:schemeClr val="accent1"/>
+                </a:solidFill>
+                <a:latin typeface="Courier" pitchFamily="2" charset="0"/>
+                <a:cs typeface="Courier New" panose="02070309020205020404" pitchFamily="49" charset="0"/>
+              </a:rPr>
+              <a:t>print</a:t>
+            </a:r>
+            <a:r>
+              <a:rPr lang="de-DE" sz="2400" dirty="0">
+                <a:solidFill>
+                  <a:schemeClr val="accent1"/>
+                </a:solidFill>
+                <a:latin typeface="Courier" pitchFamily="2" charset="0"/>
+                <a:cs typeface="Courier New" panose="02070309020205020404" pitchFamily="49" charset="0"/>
+              </a:rPr>
+              <a:t>(„C:\\Images\\</a:t>
+            </a:r>
+            <a:r>
+              <a:rPr lang="de-DE" sz="2400" dirty="0" err="1">
+                <a:solidFill>
+                  <a:schemeClr val="accent1"/>
+                </a:solidFill>
+                <a:latin typeface="Courier" pitchFamily="2" charset="0"/>
+                <a:cs typeface="Courier New" panose="02070309020205020404" pitchFamily="49" charset="0"/>
+              </a:rPr>
+              <a:t>Img.png</a:t>
+            </a:r>
+            <a:r>
+              <a:rPr lang="de-DE" sz="2400" dirty="0">
+                <a:solidFill>
+                  <a:schemeClr val="accent1"/>
+                </a:solidFill>
+                <a:latin typeface="Courier" pitchFamily="2" charset="0"/>
+                <a:cs typeface="Courier New" panose="02070309020205020404" pitchFamily="49" charset="0"/>
+              </a:rPr>
+              <a:t>“)</a:t>
+            </a:r>
+          </a:p>
+          <a:p>
+            <a:r>
+              <a:rPr lang="de-DE" sz="2400" dirty="0">
+                <a:latin typeface="Courier" pitchFamily="2" charset="0"/>
+                <a:cs typeface="Courier New" panose="02070309020205020404" pitchFamily="49" charset="0"/>
+              </a:rPr>
+              <a:t>  C:\Images\</a:t>
+            </a:r>
+            <a:r>
+              <a:rPr lang="de-DE" sz="2400" dirty="0" err="1">
+                <a:latin typeface="Courier" pitchFamily="2" charset="0"/>
+                <a:cs typeface="Courier New" panose="02070309020205020404" pitchFamily="49" charset="0"/>
+              </a:rPr>
+              <a:t>Img.png</a:t>
+            </a:r>
+            <a:br>
+              <a:rPr lang="de-DE" sz="2400" dirty="0">
+                <a:latin typeface="Courier" pitchFamily="2" charset="0"/>
+                <a:cs typeface="Courier New" panose="02070309020205020404" pitchFamily="49" charset="0"/>
+              </a:rPr>
+            </a:br>
+            <a:r>
+              <a:rPr lang="de-DE" sz="2400" dirty="0">
+                <a:solidFill>
+                  <a:schemeClr val="accent1"/>
+                </a:solidFill>
+                <a:latin typeface="Courier" pitchFamily="2" charset="0"/>
+                <a:cs typeface="Courier New" panose="02070309020205020404" pitchFamily="49" charset="0"/>
+              </a:rPr>
+              <a:t>&gt; </a:t>
+            </a:r>
+            <a:r>
+              <a:rPr lang="de-DE" sz="2400" dirty="0" err="1">
+                <a:solidFill>
+                  <a:schemeClr val="accent1"/>
+                </a:solidFill>
+                <a:latin typeface="Courier" pitchFamily="2" charset="0"/>
+                <a:cs typeface="Courier New" panose="02070309020205020404" pitchFamily="49" charset="0"/>
+              </a:rPr>
+              <a:t>print</a:t>
+            </a:r>
+            <a:r>
+              <a:rPr lang="de-DE" sz="2400" dirty="0">
+                <a:solidFill>
+                  <a:schemeClr val="accent1"/>
+                </a:solidFill>
+                <a:latin typeface="Courier" pitchFamily="2" charset="0"/>
+                <a:cs typeface="Courier New" panose="02070309020205020404" pitchFamily="49" charset="0"/>
+              </a:rPr>
+              <a:t>(“Processing (“+</a:t>
+            </a:r>
+            <a:r>
+              <a:rPr lang="de-DE" sz="2400" dirty="0" err="1">
+                <a:solidFill>
+                  <a:schemeClr val="accent1"/>
+                </a:solidFill>
+                <a:latin typeface="Courier" pitchFamily="2" charset="0"/>
+                <a:cs typeface="Courier New" panose="02070309020205020404" pitchFamily="49" charset="0"/>
+              </a:rPr>
+              <a:t>str</a:t>
+            </a:r>
+            <a:r>
+              <a:rPr lang="de-DE" sz="2400" dirty="0">
+                <a:solidFill>
+                  <a:schemeClr val="accent1"/>
+                </a:solidFill>
+                <a:latin typeface="Courier" pitchFamily="2" charset="0"/>
+                <a:cs typeface="Courier New" panose="02070309020205020404" pitchFamily="49" charset="0"/>
+              </a:rPr>
+              <a:t>(i)+„/“+</a:t>
+            </a:r>
+            <a:r>
+              <a:rPr lang="de-DE" sz="2400" dirty="0" err="1">
+                <a:solidFill>
+                  <a:schemeClr val="accent1"/>
+                </a:solidFill>
+                <a:latin typeface="Courier" pitchFamily="2" charset="0"/>
+                <a:cs typeface="Courier New" panose="02070309020205020404" pitchFamily="49" charset="0"/>
+              </a:rPr>
+              <a:t>str</a:t>
+            </a:r>
+            <a:r>
+              <a:rPr lang="de-DE" sz="2400" dirty="0">
+                <a:solidFill>
+                  <a:schemeClr val="accent1"/>
+                </a:solidFill>
+                <a:latin typeface="Courier" pitchFamily="2" charset="0"/>
+                <a:cs typeface="Courier New" panose="02070309020205020404" pitchFamily="49" charset="0"/>
+              </a:rPr>
+              <a:t>(</a:t>
+            </a:r>
+            <a:r>
+              <a:rPr lang="de-DE" sz="2400" dirty="0" err="1">
+                <a:solidFill>
+                  <a:schemeClr val="accent1"/>
+                </a:solidFill>
+                <a:latin typeface="Courier" pitchFamily="2" charset="0"/>
+                <a:cs typeface="Courier New" panose="02070309020205020404" pitchFamily="49" charset="0"/>
+              </a:rPr>
+              <a:t>n</a:t>
+            </a:r>
+            <a:r>
+              <a:rPr lang="de-DE" sz="2400" dirty="0">
+                <a:solidFill>
+                  <a:schemeClr val="accent1"/>
+                </a:solidFill>
+                <a:latin typeface="Courier" pitchFamily="2" charset="0"/>
+                <a:cs typeface="Courier New" panose="02070309020205020404" pitchFamily="49" charset="0"/>
+              </a:rPr>
+              <a:t>)+“)...“)</a:t>
+            </a:r>
+          </a:p>
+          <a:p>
+            <a:r>
+              <a:rPr lang="de-DE" sz="2400" dirty="0">
+                <a:latin typeface="Courier" pitchFamily="2" charset="0"/>
+                <a:cs typeface="Courier New" panose="02070309020205020404" pitchFamily="49" charset="0"/>
+              </a:rPr>
+              <a:t>  Processing 4/120...</a:t>
+            </a:r>
+          </a:p>
+          <a:p>
+            <a:r>
+              <a:rPr lang="de-DE" sz="2400" dirty="0">
+                <a:solidFill>
+                  <a:schemeClr val="accent1"/>
+                </a:solidFill>
+                <a:latin typeface="Courier" pitchFamily="2" charset="0"/>
+                <a:cs typeface="Courier New" panose="02070309020205020404" pitchFamily="49" charset="0"/>
+              </a:rPr>
+              <a:t>&gt; </a:t>
+            </a:r>
+            <a:r>
+              <a:rPr lang="de-DE" sz="2400" dirty="0" err="1">
+                <a:solidFill>
+                  <a:schemeClr val="accent1"/>
+                </a:solidFill>
+                <a:latin typeface="Courier" pitchFamily="2" charset="0"/>
+                <a:cs typeface="Courier New" panose="02070309020205020404" pitchFamily="49" charset="0"/>
+              </a:rPr>
+              <a:t>print</a:t>
+            </a:r>
+            <a:r>
+              <a:rPr lang="de-DE" sz="2400" dirty="0">
+                <a:solidFill>
+                  <a:schemeClr val="accent1"/>
+                </a:solidFill>
+                <a:latin typeface="Courier" pitchFamily="2" charset="0"/>
+                <a:cs typeface="Courier New" panose="02070309020205020404" pitchFamily="49" charset="0"/>
+              </a:rPr>
+              <a:t>(</a:t>
+            </a:r>
+            <a:r>
+              <a:rPr lang="de-DE" sz="2400" dirty="0" err="1">
+                <a:solidFill>
+                  <a:schemeClr val="accent1"/>
+                </a:solidFill>
+                <a:latin typeface="Courier" pitchFamily="2" charset="0"/>
+                <a:cs typeface="Courier New" panose="02070309020205020404" pitchFamily="49" charset="0"/>
+              </a:rPr>
+              <a:t>folder</a:t>
+            </a:r>
+            <a:r>
+              <a:rPr lang="de-DE" sz="2400" dirty="0">
+                <a:solidFill>
+                  <a:schemeClr val="accent1"/>
+                </a:solidFill>
+                <a:latin typeface="Courier" pitchFamily="2" charset="0"/>
+                <a:cs typeface="Courier New" panose="02070309020205020404" pitchFamily="49" charset="0"/>
+              </a:rPr>
+              <a:t> + </a:t>
+            </a:r>
+            <a:r>
+              <a:rPr lang="de-DE" sz="2400" dirty="0" err="1">
+                <a:solidFill>
+                  <a:schemeClr val="accent1"/>
+                </a:solidFill>
+                <a:latin typeface="Courier" pitchFamily="2" charset="0"/>
+                <a:cs typeface="Courier New" panose="02070309020205020404" pitchFamily="49" charset="0"/>
+              </a:rPr>
+              <a:t>os.sep</a:t>
+            </a:r>
+            <a:r>
+              <a:rPr lang="de-DE" sz="2400" dirty="0">
+                <a:solidFill>
+                  <a:schemeClr val="accent1"/>
+                </a:solidFill>
+                <a:latin typeface="Courier" pitchFamily="2" charset="0"/>
+                <a:cs typeface="Courier New" panose="02070309020205020404" pitchFamily="49" charset="0"/>
+              </a:rPr>
+              <a:t> + </a:t>
+            </a:r>
+            <a:r>
+              <a:rPr lang="de-DE" sz="2400" dirty="0" err="1">
+                <a:solidFill>
+                  <a:schemeClr val="accent1"/>
+                </a:solidFill>
+                <a:latin typeface="Courier" pitchFamily="2" charset="0"/>
+                <a:cs typeface="Courier New" panose="02070309020205020404" pitchFamily="49" charset="0"/>
+              </a:rPr>
+              <a:t>name</a:t>
+            </a:r>
+            <a:r>
+              <a:rPr lang="de-DE" sz="2400" dirty="0">
+                <a:solidFill>
+                  <a:schemeClr val="accent1"/>
+                </a:solidFill>
+                <a:latin typeface="Courier" pitchFamily="2" charset="0"/>
+                <a:cs typeface="Courier New" panose="02070309020205020404" pitchFamily="49" charset="0"/>
+              </a:rPr>
+              <a:t> + „.</a:t>
+            </a:r>
+            <a:r>
+              <a:rPr lang="de-DE" sz="2400" dirty="0" err="1">
+                <a:solidFill>
+                  <a:schemeClr val="accent1"/>
+                </a:solidFill>
+                <a:latin typeface="Courier" pitchFamily="2" charset="0"/>
+                <a:cs typeface="Courier New" panose="02070309020205020404" pitchFamily="49" charset="0"/>
+              </a:rPr>
+              <a:t>tif</a:t>
+            </a:r>
+            <a:r>
+              <a:rPr lang="de-DE" sz="2400" dirty="0">
+                <a:solidFill>
+                  <a:schemeClr val="accent1"/>
+                </a:solidFill>
+                <a:latin typeface="Courier" pitchFamily="2" charset="0"/>
+                <a:cs typeface="Courier New" panose="02070309020205020404" pitchFamily="49" charset="0"/>
+              </a:rPr>
+              <a:t>“)</a:t>
+            </a:r>
+          </a:p>
+          <a:p>
+            <a:r>
+              <a:rPr lang="de-DE" sz="2400" dirty="0">
+                <a:latin typeface="Courier" pitchFamily="2" charset="0"/>
+                <a:cs typeface="Courier New" panose="02070309020205020404" pitchFamily="49" charset="0"/>
+              </a:rPr>
+              <a:t>  /User/Images/</a:t>
+            </a:r>
+            <a:r>
+              <a:rPr lang="de-DE" sz="2400" dirty="0" err="1">
+                <a:latin typeface="Courier" pitchFamily="2" charset="0"/>
+                <a:cs typeface="Courier New" panose="02070309020205020404" pitchFamily="49" charset="0"/>
+              </a:rPr>
+              <a:t>Nuclei.tif</a:t>
+            </a:r>
+            <a:endParaRPr lang="de-DE" sz="2400" dirty="0">
+              <a:latin typeface="Courier" pitchFamily="2" charset="0"/>
+              <a:cs typeface="Courier New" panose="02070309020205020404" pitchFamily="49" charset="0"/>
+            </a:endParaRPr>
+          </a:p>
+          <a:p>
+            <a:r>
+              <a:rPr lang="de-DE" sz="2400" dirty="0">
+                <a:solidFill>
+                  <a:schemeClr val="accent1"/>
+                </a:solidFill>
+                <a:latin typeface="Courier" pitchFamily="2" charset="0"/>
+                <a:cs typeface="Courier New" panose="02070309020205020404" pitchFamily="49" charset="0"/>
+              </a:rPr>
+              <a:t>&gt; </a:t>
+            </a:r>
+            <a:r>
+              <a:rPr lang="de-DE" sz="2400" dirty="0" err="1">
+                <a:solidFill>
+                  <a:schemeClr val="accent1"/>
+                </a:solidFill>
+                <a:latin typeface="Courier" pitchFamily="2" charset="0"/>
+                <a:cs typeface="Courier New" panose="02070309020205020404" pitchFamily="49" charset="0"/>
+              </a:rPr>
+              <a:t>print</a:t>
+            </a:r>
+            <a:r>
+              <a:rPr lang="de-DE" sz="2400" dirty="0">
+                <a:solidFill>
+                  <a:schemeClr val="accent1"/>
+                </a:solidFill>
+                <a:latin typeface="Courier" pitchFamily="2" charset="0"/>
+                <a:cs typeface="Courier New" panose="02070309020205020404" pitchFamily="49" charset="0"/>
+              </a:rPr>
+              <a:t>(„</a:t>
+            </a:r>
+            <a:r>
+              <a:rPr lang="de-DE" sz="2400" dirty="0" err="1">
+                <a:solidFill>
+                  <a:schemeClr val="accent1"/>
+                </a:solidFill>
+                <a:latin typeface="Courier" pitchFamily="2" charset="0"/>
+                <a:cs typeface="Courier New" panose="02070309020205020404" pitchFamily="49" charset="0"/>
+              </a:rPr>
+              <a:t>Please</a:t>
+            </a:r>
+            <a:r>
+              <a:rPr lang="de-DE" sz="2400" dirty="0">
+                <a:solidFill>
+                  <a:schemeClr val="accent1"/>
+                </a:solidFill>
                 <a:latin typeface="Courier" pitchFamily="2" charset="0"/>
                 <a:cs typeface="Courier New" panose="02070309020205020404" pitchFamily="49" charset="0"/>
               </a:rPr>
               <a:t> </a:t>
             </a:r>
             <a:r>
-              <a:rPr lang="de-DE" sz="3200" dirty="0" err="1">
-                <a:latin typeface="Courier" pitchFamily="2" charset="0"/>
-                <a:cs typeface="Courier New" panose="02070309020205020404" pitchFamily="49" charset="0"/>
-              </a:rPr>
-              <a:t>image</a:t>
-            </a:r>
-            <a:r>
-              <a:rPr lang="de-DE" sz="3200" dirty="0">
-                <a:latin typeface="Courier" pitchFamily="2" charset="0"/>
-                <a:cs typeface="Courier New" panose="02070309020205020404" pitchFamily="49" charset="0"/>
-              </a:rPr>
-              <a:t> “</a:t>
-            </a:r>
-          </a:p>
-        </p:txBody>
-      </p:sp>
-      <p:sp>
-        <p:nvSpPr>
-          <p:cNvPr id="9" name="TextBox 8">
-            <a:extLst>
-              <a:ext uri="{FF2B5EF4-FFF2-40B4-BE49-F238E27FC236}">
-                <a16:creationId xmlns:a16="http://schemas.microsoft.com/office/drawing/2014/main" id="{75E21728-C914-F040-BFD4-DD6A5D20BEF5}"/>
-              </a:ext>
-            </a:extLst>
-          </p:cNvPr>
-          <p:cNvSpPr txBox="1"/>
-          <p:nvPr/>
-        </p:nvSpPr>
-        <p:spPr>
-          <a:xfrm>
-            <a:off x="8506650" y="3980869"/>
-            <a:ext cx="1418978" cy="584775"/>
-          </a:xfrm>
-          <a:prstGeom prst="rect">
-            <a:avLst/>
-          </a:prstGeom>
-          <a:noFill/>
-        </p:spPr>
-        <p:txBody>
-          <a:bodyPr wrap="none" rtlCol="0">
-            <a:spAutoFit/>
-          </a:bodyPr>
-          <a:lstStyle/>
-          <a:p>
-            <a:r>
-              <a:rPr lang="de-DE" sz="3200" dirty="0">
-                <a:latin typeface="Courier" pitchFamily="2" charset="0"/>
-                <a:cs typeface="Courier New" panose="02070309020205020404" pitchFamily="49" charset="0"/>
-              </a:rPr>
-              <a:t>“...“</a:t>
-            </a:r>
-          </a:p>
-        </p:txBody>
-      </p:sp>
-      <p:sp>
-        <p:nvSpPr>
-          <p:cNvPr id="10" name="TextBox 9">
-            <a:extLst>
-              <a:ext uri="{FF2B5EF4-FFF2-40B4-BE49-F238E27FC236}">
-                <a16:creationId xmlns:a16="http://schemas.microsoft.com/office/drawing/2014/main" id="{DF685997-0351-5F46-A836-B95B93C5F2D4}"/>
-              </a:ext>
-            </a:extLst>
-          </p:cNvPr>
-          <p:cNvSpPr txBox="1"/>
-          <p:nvPr/>
-        </p:nvSpPr>
-        <p:spPr>
-          <a:xfrm>
-            <a:off x="7143559" y="3999340"/>
-            <a:ext cx="431528" cy="584775"/>
-          </a:xfrm>
-          <a:prstGeom prst="rect">
-            <a:avLst/>
-          </a:prstGeom>
-          <a:noFill/>
-        </p:spPr>
-        <p:txBody>
-          <a:bodyPr wrap="none" rtlCol="0">
-            <a:spAutoFit/>
-          </a:bodyPr>
-          <a:lstStyle/>
-          <a:p>
-            <a:r>
-              <a:rPr lang="de-DE" sz="3200" dirty="0">
-                <a:latin typeface="Courier" pitchFamily="2" charset="0"/>
-                <a:cs typeface="Courier New" panose="02070309020205020404" pitchFamily="49" charset="0"/>
-              </a:rPr>
-              <a:t>5</a:t>
-            </a:r>
-          </a:p>
-        </p:txBody>
-      </p:sp>
-      <p:sp>
-        <p:nvSpPr>
-          <p:cNvPr id="11" name="TextBox 10">
-            <a:extLst>
-              <a:ext uri="{FF2B5EF4-FFF2-40B4-BE49-F238E27FC236}">
-                <a16:creationId xmlns:a16="http://schemas.microsoft.com/office/drawing/2014/main" id="{97B2DCA4-9C63-FF49-9540-2D505CB5B4E2}"/>
-              </a:ext>
-            </a:extLst>
-          </p:cNvPr>
-          <p:cNvSpPr txBox="1"/>
-          <p:nvPr/>
-        </p:nvSpPr>
-        <p:spPr>
-          <a:xfrm>
-            <a:off x="3658301" y="5080000"/>
-            <a:ext cx="5615640" cy="584775"/>
-          </a:xfrm>
-          <a:prstGeom prst="rect">
-            <a:avLst/>
-          </a:prstGeom>
-          <a:noFill/>
-        </p:spPr>
-        <p:txBody>
-          <a:bodyPr wrap="none" rtlCol="0">
-            <a:spAutoFit/>
-          </a:bodyPr>
-          <a:lstStyle/>
-          <a:p>
-            <a:r>
-              <a:rPr lang="de-DE" sz="3200" dirty="0">
-                <a:latin typeface="Courier" pitchFamily="2" charset="0"/>
-                <a:cs typeface="Courier New" panose="02070309020205020404" pitchFamily="49" charset="0"/>
-              </a:rPr>
-              <a:t>“</a:t>
-            </a:r>
-            <a:r>
-              <a:rPr lang="de-DE" sz="3200" dirty="0" err="1">
-                <a:latin typeface="Courier" pitchFamily="2" charset="0"/>
-                <a:cs typeface="Courier New" panose="02070309020205020404" pitchFamily="49" charset="0"/>
-              </a:rPr>
-              <a:t>Analyzing</a:t>
-            </a:r>
-            <a:r>
-              <a:rPr lang="de-DE" sz="3200" dirty="0">
+              <a:rPr lang="de-DE" sz="2400" dirty="0" err="1">
+                <a:solidFill>
+                  <a:schemeClr val="accent1"/>
+                </a:solidFill>
+                <a:latin typeface="Courier" pitchFamily="2" charset="0"/>
+                <a:cs typeface="Courier New" panose="02070309020205020404" pitchFamily="49" charset="0"/>
+              </a:rPr>
+              <a:t>select</a:t>
+            </a:r>
+            <a:r>
+              <a:rPr lang="de-DE" sz="2400" dirty="0">
+                <a:solidFill>
+                  <a:schemeClr val="accent1"/>
+                </a:solidFill>
+                <a:latin typeface="Courier" pitchFamily="2" charset="0"/>
+                <a:cs typeface="Courier New" panose="02070309020205020404" pitchFamily="49" charset="0"/>
+              </a:rPr>
+              <a:t> an ROI!\</a:t>
+            </a:r>
+            <a:r>
+              <a:rPr lang="de-DE" sz="2400" dirty="0" err="1">
+                <a:solidFill>
+                  <a:schemeClr val="accent1"/>
+                </a:solidFill>
+                <a:latin typeface="Courier" pitchFamily="2" charset="0"/>
+                <a:cs typeface="Courier New" panose="02070309020205020404" pitchFamily="49" charset="0"/>
+              </a:rPr>
+              <a:t>nThank</a:t>
+            </a:r>
+            <a:r>
+              <a:rPr lang="de-DE" sz="2400" dirty="0">
+                <a:solidFill>
+                  <a:schemeClr val="accent1"/>
+                </a:solidFill>
                 <a:latin typeface="Courier" pitchFamily="2" charset="0"/>
                 <a:cs typeface="Courier New" panose="02070309020205020404" pitchFamily="49" charset="0"/>
               </a:rPr>
               <a:t> </a:t>
             </a:r>
             <a:r>
-              <a:rPr lang="de-DE" sz="3200" dirty="0" err="1">
-                <a:latin typeface="Courier" pitchFamily="2" charset="0"/>
-                <a:cs typeface="Courier New" panose="02070309020205020404" pitchFamily="49" charset="0"/>
-              </a:rPr>
-              <a:t>image</a:t>
-            </a:r>
-            <a:r>
-              <a:rPr lang="de-DE" sz="3200" dirty="0">
-                <a:latin typeface="Courier" pitchFamily="2" charset="0"/>
-                <a:cs typeface="Courier New" panose="02070309020205020404" pitchFamily="49" charset="0"/>
-              </a:rPr>
-              <a:t> 5...“</a:t>
+              <a:rPr lang="de-DE" sz="2400" dirty="0" err="1">
+                <a:solidFill>
+                  <a:schemeClr val="accent1"/>
+                </a:solidFill>
+                <a:latin typeface="Courier" pitchFamily="2" charset="0"/>
+                <a:cs typeface="Courier New" panose="02070309020205020404" pitchFamily="49" charset="0"/>
+              </a:rPr>
+              <a:t>you</a:t>
+            </a:r>
+            <a:r>
+              <a:rPr lang="de-DE" sz="2400" dirty="0">
+                <a:solidFill>
+                  <a:schemeClr val="accent1"/>
+                </a:solidFill>
+                <a:latin typeface="Courier" pitchFamily="2" charset="0"/>
+                <a:cs typeface="Courier New" panose="02070309020205020404" pitchFamily="49" charset="0"/>
+              </a:rPr>
+              <a:t>!“)</a:t>
+            </a:r>
+            <a:br>
+              <a:rPr lang="de-DE" sz="2400" dirty="0">
+                <a:latin typeface="Courier" pitchFamily="2" charset="0"/>
+                <a:cs typeface="Courier New" panose="02070309020205020404" pitchFamily="49" charset="0"/>
+              </a:rPr>
+            </a:br>
+            <a:r>
+              <a:rPr lang="de-DE" sz="2400" dirty="0">
+                <a:latin typeface="Courier" pitchFamily="2" charset="0"/>
+                <a:cs typeface="Courier New" panose="02070309020205020404" pitchFamily="49" charset="0"/>
+              </a:rPr>
+              <a:t>  </a:t>
+            </a:r>
+            <a:r>
+              <a:rPr lang="de-DE" sz="2400" dirty="0" err="1">
+                <a:latin typeface="Courier" pitchFamily="2" charset="0"/>
+                <a:cs typeface="Courier New" panose="02070309020205020404" pitchFamily="49" charset="0"/>
+              </a:rPr>
+              <a:t>Please</a:t>
+            </a:r>
+            <a:r>
+              <a:rPr lang="de-DE" sz="2400" dirty="0">
+                <a:latin typeface="Courier" pitchFamily="2" charset="0"/>
+                <a:cs typeface="Courier New" panose="02070309020205020404" pitchFamily="49" charset="0"/>
+              </a:rPr>
+              <a:t> </a:t>
+            </a:r>
+            <a:r>
+              <a:rPr lang="de-DE" sz="2400" dirty="0" err="1">
+                <a:latin typeface="Courier" pitchFamily="2" charset="0"/>
+                <a:cs typeface="Courier New" panose="02070309020205020404" pitchFamily="49" charset="0"/>
+              </a:rPr>
+              <a:t>select</a:t>
+            </a:r>
+            <a:r>
+              <a:rPr lang="de-DE" sz="2400" dirty="0">
+                <a:latin typeface="Courier" pitchFamily="2" charset="0"/>
+                <a:cs typeface="Courier New" panose="02070309020205020404" pitchFamily="49" charset="0"/>
+              </a:rPr>
+              <a:t> an ROI!</a:t>
+            </a:r>
+            <a:br>
+              <a:rPr lang="de-DE" sz="2400" dirty="0">
+                <a:latin typeface="Courier" pitchFamily="2" charset="0"/>
+                <a:cs typeface="Courier New" panose="02070309020205020404" pitchFamily="49" charset="0"/>
+              </a:rPr>
+            </a:br>
+            <a:r>
+              <a:rPr lang="de-DE" sz="2400" dirty="0">
+                <a:latin typeface="Courier" pitchFamily="2" charset="0"/>
+                <a:cs typeface="Courier New" panose="02070309020205020404" pitchFamily="49" charset="0"/>
+              </a:rPr>
+              <a:t>  </a:t>
+            </a:r>
+            <a:r>
+              <a:rPr lang="de-DE" sz="2400" dirty="0" err="1">
+                <a:latin typeface="Courier" pitchFamily="2" charset="0"/>
+                <a:cs typeface="Courier New" panose="02070309020205020404" pitchFamily="49" charset="0"/>
+              </a:rPr>
+              <a:t>Thank</a:t>
+            </a:r>
+            <a:r>
+              <a:rPr lang="de-DE" sz="2400" dirty="0">
+                <a:latin typeface="Courier" pitchFamily="2" charset="0"/>
+                <a:cs typeface="Courier New" panose="02070309020205020404" pitchFamily="49" charset="0"/>
+              </a:rPr>
+              <a:t> </a:t>
+            </a:r>
+            <a:r>
+              <a:rPr lang="de-DE" sz="2400" dirty="0" err="1">
+                <a:latin typeface="Courier" pitchFamily="2" charset="0"/>
+                <a:cs typeface="Courier New" panose="02070309020205020404" pitchFamily="49" charset="0"/>
+              </a:rPr>
+              <a:t>you</a:t>
+            </a:r>
+            <a:r>
+              <a:rPr lang="de-DE" sz="2400" dirty="0">
+                <a:latin typeface="Courier" pitchFamily="2" charset="0"/>
+                <a:cs typeface="Courier New" panose="02070309020205020404" pitchFamily="49" charset="0"/>
+              </a:rPr>
+              <a:t>!</a:t>
             </a:r>
           </a:p>
         </p:txBody>

--- a/figures/resources/string_concat.pptx
+++ b/figures/resources/string_concat.pptx
@@ -4024,8 +4024,8 @@
         </p:nvSpPr>
         <p:spPr>
           <a:xfrm>
-            <a:off x="1257301" y="668659"/>
-            <a:ext cx="9055100" cy="4154984"/>
+            <a:off x="368300" y="668659"/>
+            <a:ext cx="9944101" cy="4154984"/>
           </a:xfrm>
           <a:prstGeom prst="rect">
             <a:avLst/>
@@ -4422,7 +4422,7 @@
                 <a:latin typeface="Courier" pitchFamily="2" charset="0"/>
                 <a:cs typeface="Courier New" panose="02070309020205020404" pitchFamily="49" charset="0"/>
               </a:rPr>
-              <a:t>Please</a:t>
+              <a:t>Vesicle</a:t>
             </a:r>
             <a:r>
               <a:rPr lang="de-DE" sz="2400" dirty="0">
@@ -4442,7 +4442,7 @@
                 <a:latin typeface="Courier" pitchFamily="2" charset="0"/>
                 <a:cs typeface="Courier New" panose="02070309020205020404" pitchFamily="49" charset="0"/>
               </a:rPr>
-              <a:t>select</a:t>
+              <a:t>volume</a:t>
             </a:r>
             <a:r>
               <a:rPr lang="de-DE" sz="2400" dirty="0">
@@ -4452,7 +4452,7 @@
                 <a:latin typeface="Courier" pitchFamily="2" charset="0"/>
                 <a:cs typeface="Courier New" panose="02070309020205020404" pitchFamily="49" charset="0"/>
               </a:rPr>
-              <a:t> an ROI!\</a:t>
+              <a:t>: “+</a:t>
             </a:r>
             <a:r>
               <a:rPr lang="de-DE" sz="2400" dirty="0" err="1">
@@ -4462,7 +4462,7 @@
                 <a:latin typeface="Courier" pitchFamily="2" charset="0"/>
                 <a:cs typeface="Courier New" panose="02070309020205020404" pitchFamily="49" charset="0"/>
               </a:rPr>
-              <a:t>nThank</a:t>
+              <a:t>str</a:t>
             </a:r>
             <a:r>
               <a:rPr lang="de-DE" sz="2400" dirty="0">
@@ -4472,7 +4472,7 @@
                 <a:latin typeface="Courier" pitchFamily="2" charset="0"/>
                 <a:cs typeface="Courier New" panose="02070309020205020404" pitchFamily="49" charset="0"/>
               </a:rPr>
-              <a:t> </a:t>
+              <a:t>(</a:t>
             </a:r>
             <a:r>
               <a:rPr lang="de-DE" sz="2400" dirty="0" err="1">
@@ -4482,7 +4482,27 @@
                 <a:latin typeface="Courier" pitchFamily="2" charset="0"/>
                 <a:cs typeface="Courier New" panose="02070309020205020404" pitchFamily="49" charset="0"/>
               </a:rPr>
-              <a:t>you</a:t>
+              <a:t>vol</a:t>
+            </a:r>
+            <a:r>
+              <a:rPr lang="de-DE" sz="2400" dirty="0">
+                <a:solidFill>
+                  <a:schemeClr val="accent1"/>
+                </a:solidFill>
+                <a:latin typeface="Courier" pitchFamily="2" charset="0"/>
+                <a:cs typeface="Courier New" panose="02070309020205020404" pitchFamily="49" charset="0"/>
+              </a:rPr>
+              <a:t>)+“ nm3\</a:t>
+            </a:r>
+            <a:r>
+              <a:rPr lang="de-DE" sz="2400" dirty="0" err="1">
+                <a:solidFill>
+                  <a:schemeClr val="accent1"/>
+                </a:solidFill>
+                <a:latin typeface="Courier" pitchFamily="2" charset="0"/>
+                <a:cs typeface="Courier New" panose="02070309020205020404" pitchFamily="49" charset="0"/>
+              </a:rPr>
+              <a:t>nDone</a:t>
             </a:r>
             <a:r>
               <a:rPr lang="de-DE" sz="2400" dirty="0">
@@ -4512,7 +4532,7 @@
                 <a:latin typeface="Courier" pitchFamily="2" charset="0"/>
                 <a:cs typeface="Courier New" panose="02070309020205020404" pitchFamily="49" charset="0"/>
               </a:rPr>
-              <a:t>Please</a:t>
+              <a:t>Vesicle</a:t>
             </a:r>
             <a:r>
               <a:rPr lang="de-DE" sz="2400" dirty="0">
@@ -4526,14 +4546,14 @@
                 <a:latin typeface="Courier" pitchFamily="2" charset="0"/>
                 <a:cs typeface="Courier New" panose="02070309020205020404" pitchFamily="49" charset="0"/>
               </a:rPr>
-              <a:t>select</a:t>
+              <a:t>volume</a:t>
             </a:r>
             <a:r>
               <a:rPr lang="de-DE" sz="2400" dirty="0">
                 <a:latin typeface="Courier" pitchFamily="2" charset="0"/>
                 <a:cs typeface="Courier New" panose="02070309020205020404" pitchFamily="49" charset="0"/>
               </a:rPr>
-              <a:t> an ROI!</a:t>
+              <a:t>: 1053 nm3</a:t>
             </a:r>
             <a:br>
               <a:rPr lang="de-DE" sz="2400" dirty="0">
@@ -4553,21 +4573,7 @@
                 <a:latin typeface="Courier" pitchFamily="2" charset="0"/>
                 <a:cs typeface="Courier New" panose="02070309020205020404" pitchFamily="49" charset="0"/>
               </a:rPr>
-              <a:t>Thank</a:t>
-            </a:r>
-            <a:r>
-              <a:rPr lang="de-DE" sz="2400" dirty="0">
-                <a:latin typeface="Courier" pitchFamily="2" charset="0"/>
-                <a:cs typeface="Courier New" panose="02070309020205020404" pitchFamily="49" charset="0"/>
-              </a:rPr>
-              <a:t> </a:t>
-            </a:r>
-            <a:r>
-              <a:rPr lang="de-DE" sz="2400" dirty="0" err="1">
-                <a:latin typeface="Courier" pitchFamily="2" charset="0"/>
-                <a:cs typeface="Courier New" panose="02070309020205020404" pitchFamily="49" charset="0"/>
-              </a:rPr>
-              <a:t>you</a:t>
+              <a:t>Done</a:t>
             </a:r>
             <a:r>
               <a:rPr lang="de-DE" sz="2400" dirty="0">
